--- a/Documents/MidTermPresentation.pptx
+++ b/Documents/MidTermPresentation.pptx
@@ -26686,21 +26686,21 @@
 </file>
 
 <file path=customXml/item1.xml><?xml version="1.0" encoding="utf-8"?>
+<p:properties xmlns:p="http://schemas.microsoft.com/office/2006/metadata/properties" xmlns:xsi="http://www.w3.org/2001/XMLSchema-instance" xmlns:pc="http://schemas.microsoft.com/office/infopath/2007/PartnerControls">
+  <documentManagement>
+    <Status xmlns="71af3243-3dd4-4a8d-8c0d-dd76da1f02a5">Not started</Status>
+    <MediaServiceKeyPoints xmlns="71af3243-3dd4-4a8d-8c0d-dd76da1f02a5" xsi:nil="true"/>
+  </documentManagement>
+</p:properties>
+</file>
+
+<file path=customXml/item2.xml><?xml version="1.0" encoding="utf-8"?>
 <?mso-contentType ?>
 <FormTemplates xmlns="http://schemas.microsoft.com/sharepoint/v3/contenttype/forms">
   <Display>DocumentLibraryForm</Display>
   <Edit>DocumentLibraryForm</Edit>
   <New>DocumentLibraryForm</New>
 </FormTemplates>
-</file>
-
-<file path=customXml/item2.xml><?xml version="1.0" encoding="utf-8"?>
-<p:properties xmlns:p="http://schemas.microsoft.com/office/2006/metadata/properties" xmlns:xsi="http://www.w3.org/2001/XMLSchema-instance" xmlns:pc="http://schemas.microsoft.com/office/infopath/2007/PartnerControls">
-  <documentManagement>
-    <Status xmlns="71af3243-3dd4-4a8d-8c0d-dd76da1f02a5">Not started</Status>
-    <MediaServiceKeyPoints xmlns="71af3243-3dd4-4a8d-8c0d-dd76da1f02a5" xsi:nil="true"/>
-  </documentManagement>
-</p:properties>
 </file>
 
 <file path=customXml/item3.xml><?xml version="1.0" encoding="utf-8"?>
@@ -26925,19 +26925,19 @@
 </file>
 
 <file path=customXml/itemProps1.xml><?xml version="1.0" encoding="utf-8"?>
-<ds:datastoreItem xmlns:ds="http://schemas.openxmlformats.org/officeDocument/2006/customXml" ds:itemID="{1D20B6E4-879E-4E6C-BDE7-261540CD3765}">
+<ds:datastoreItem xmlns:ds="http://schemas.openxmlformats.org/officeDocument/2006/customXml" ds:itemID="{09EC1AB0-9704-404D-B6D3-819D938AC55B}">
   <ds:schemaRefs>
-    <ds:schemaRef ds:uri="http://schemas.microsoft.com/sharepoint/v3/contenttype/forms"/>
+    <ds:schemaRef ds:uri="http://schemas.microsoft.com/office/2006/metadata/properties"/>
+    <ds:schemaRef ds:uri="http://schemas.microsoft.com/office/infopath/2007/PartnerControls"/>
+    <ds:schemaRef ds:uri="71af3243-3dd4-4a8d-8c0d-dd76da1f02a5"/>
   </ds:schemaRefs>
 </ds:datastoreItem>
 </file>
 
 <file path=customXml/itemProps2.xml><?xml version="1.0" encoding="utf-8"?>
-<ds:datastoreItem xmlns:ds="http://schemas.openxmlformats.org/officeDocument/2006/customXml" ds:itemID="{09EC1AB0-9704-404D-B6D3-819D938AC55B}">
+<ds:datastoreItem xmlns:ds="http://schemas.openxmlformats.org/officeDocument/2006/customXml" ds:itemID="{1D20B6E4-879E-4E6C-BDE7-261540CD3765}">
   <ds:schemaRefs>
-    <ds:schemaRef ds:uri="http://schemas.microsoft.com/office/2006/metadata/properties"/>
-    <ds:schemaRef ds:uri="http://schemas.microsoft.com/office/infopath/2007/PartnerControls"/>
-    <ds:schemaRef ds:uri="71af3243-3dd4-4a8d-8c0d-dd76da1f02a5"/>
+    <ds:schemaRef ds:uri="http://schemas.microsoft.com/sharepoint/v3/contenttype/forms"/>
   </ds:schemaRefs>
 </ds:datastoreItem>
 </file>
